--- a/materials/slides/ch11.pptx
+++ b/materials/slides/ch11.pptx
@@ -2076,7 +2076,6 @@
           <a:ln>
             <a:noFill/>
           </a:ln>
-          <a:extLst/>
         </p:spPr>
         <p:txBody>
           <a:bodyPr>
@@ -2296,7 +2295,6 @@
           <a:ln>
             <a:noFill/>
           </a:ln>
-          <a:extLst/>
         </p:spPr>
         <p:txBody>
           <a:bodyPr wrap="none" anchor="ctr"/>
@@ -2448,7 +2446,6 @@
           <a:ln>
             <a:noFill/>
           </a:ln>
-          <a:extLst/>
         </p:spPr>
         <p:txBody>
           <a:bodyPr wrap="none" anchor="ctr"/>
@@ -2596,7 +2593,6 @@
           <a:ln>
             <a:noFill/>
           </a:ln>
-          <a:extLst/>
         </p:spPr>
         <p:txBody>
           <a:bodyPr/>
@@ -4149,7 +4145,7 @@
               <a:pPr>
                 <a:defRPr/>
               </a:pPr>
-              <a:t>2018/5/2</a:t>
+              <a:t>2019/7/16</a:t>
             </a:fld>
             <a:endParaRPr lang="zh-CN" altLang="en-US"/>
           </a:p>
@@ -4468,7 +4464,7 @@
               <a:pPr>
                 <a:defRPr/>
               </a:pPr>
-              <a:t>2018/5/2</a:t>
+              <a:t>2019/7/16</a:t>
             </a:fld>
             <a:endParaRPr lang="zh-CN" altLang="en-US"/>
           </a:p>
@@ -14472,7 +14468,6 @@
             <a:noFill/>
           </a:ln>
           <a:effectLst/>
-          <a:extLst/>
         </p:spPr>
         <p:txBody>
           <a:bodyPr wrap="none" anchor="ctr"/>
@@ -19158,22 +19153,22 @@
           <a:lstStyle/>
           <a:p>
             <a:r>
-              <a:rPr lang="zh-CN" altLang="zh-CN"/>
+              <a:rPr lang="zh-CN" altLang="zh-CN" dirty="0"/>
               <a:t>首先对时间序列做差分，并观察差分后的时序图，见</a:t>
             </a:r>
             <a:r>
-              <a:rPr lang="zh-CN" altLang="en-US"/>
+              <a:rPr lang="zh-CN" altLang="en-US" dirty="0"/>
               <a:t>下</a:t>
             </a:r>
             <a:r>
-              <a:rPr lang="zh-CN" altLang="zh-CN"/>
+              <a:rPr lang="zh-CN" altLang="zh-CN" dirty="0"/>
               <a:t>图 </a:t>
             </a:r>
             <a:r>
-              <a:rPr lang="zh-CN" altLang="en-US"/>
+              <a:rPr lang="zh-CN" altLang="en-US" dirty="0"/>
               <a:t>：</a:t>
             </a:r>
-            <a:endParaRPr lang="en-US" altLang="zh-CN"/>
+            <a:endParaRPr lang="en-US" altLang="zh-CN" dirty="0"/>
           </a:p>
           <a:p>
             <a:pPr>
@@ -19181,8 +19176,20 @@
               <a:buChar char="ü"/>
             </a:pPr>
             <a:r>
-              <a:rPr lang="en-US" altLang="zh-CN" sz="1800"/>
-              <a:t>D_data = data.diff().</a:t>
+              <a:rPr lang="en-US" altLang="zh-CN" sz="1800" dirty="0" err="1"/>
+              <a:t>D_data</a:t>
+            </a:r>
+            <a:r>
+              <a:rPr lang="en-US" altLang="zh-CN" sz="1800" dirty="0"/>
+              <a:t> = </a:t>
+            </a:r>
+            <a:r>
+              <a:rPr lang="en-US" altLang="zh-CN" sz="1800" dirty="0" err="1"/>
+              <a:t>data.diff</a:t>
+            </a:r>
+            <a:r>
+              <a:rPr lang="en-US" altLang="zh-CN" sz="1800" dirty="0"/>
+              <a:t>().</a:t>
             </a:r>
           </a:p>
           <a:p>
@@ -19194,8 +19201,12 @@
               <a:buChar char="ü"/>
             </a:pPr>
             <a:r>
+              <a:rPr lang="en-US" altLang="zh-CN" sz="1800" dirty="0" err="1"/>
+              <a:t>dropna</a:t>
+            </a:r>
+            <a:r>
               <a:rPr lang="en-US" altLang="zh-CN" sz="1800"/>
-              <a:t>dropna()</a:t>
+              <a:t>() </a:t>
             </a:r>
           </a:p>
           <a:p>
@@ -19207,22 +19218,34 @@
               <a:buChar char="ü"/>
             </a:pPr>
             <a:r>
-              <a:rPr lang="en-US" altLang="zh-CN" sz="1800"/>
-              <a:t>D_data.columns = [u'</a:t>
-            </a:r>
-            <a:r>
-              <a:rPr lang="zh-CN" altLang="zh-CN" sz="1800"/>
+              <a:rPr lang="en-US" altLang="zh-CN" sz="1800" dirty="0" err="1"/>
+              <a:t>D_data.columns</a:t>
+            </a:r>
+            <a:r>
+              <a:rPr lang="en-US" altLang="zh-CN" sz="1800" dirty="0"/>
+              <a:t> = [u'</a:t>
+            </a:r>
+            <a:r>
+              <a:rPr lang="zh-CN" altLang="zh-CN" sz="1800" dirty="0"/>
               <a:t>销量差分</a:t>
             </a:r>
             <a:r>
-              <a:rPr lang="en-US" altLang="zh-CN" sz="1800"/>
-              <a:t>']D_data.plot() #</a:t>
-            </a:r>
-            <a:r>
-              <a:rPr lang="zh-CN" altLang="zh-CN" sz="1800"/>
+              <a:rPr lang="en-US" altLang="zh-CN" sz="1800" dirty="0"/>
+              <a:t>']</a:t>
+            </a:r>
+            <a:r>
+              <a:rPr lang="en-US" altLang="zh-CN" sz="1800" dirty="0" err="1"/>
+              <a:t>D_data.plot</a:t>
+            </a:r>
+            <a:r>
+              <a:rPr lang="en-US" altLang="zh-CN" sz="1800" dirty="0"/>
+              <a:t>() #</a:t>
+            </a:r>
+            <a:r>
+              <a:rPr lang="zh-CN" altLang="zh-CN" sz="1800" dirty="0"/>
               <a:t>时序图</a:t>
             </a:r>
-            <a:endParaRPr lang="en-US" altLang="zh-CN" sz="1800"/>
+            <a:endParaRPr lang="en-US" altLang="zh-CN" sz="1800" dirty="0"/>
           </a:p>
           <a:p>
             <a:pPr>
@@ -19233,13 +19256,17 @@
               <a:buChar char="ü"/>
             </a:pPr>
             <a:r>
-              <a:rPr lang="en-US" altLang="zh-CN" sz="1800"/>
-              <a:t>plt.show()</a:t>
-            </a:r>
-            <a:endParaRPr lang="zh-CN" altLang="zh-CN" sz="1800"/>
-          </a:p>
-          <a:p>
-            <a:endParaRPr lang="zh-CN" altLang="en-US"/>
+              <a:rPr lang="en-US" altLang="zh-CN" sz="1800" dirty="0" err="1"/>
+              <a:t>plt.show</a:t>
+            </a:r>
+            <a:r>
+              <a:rPr lang="en-US" altLang="zh-CN" sz="1800" dirty="0"/>
+              <a:t>()</a:t>
+            </a:r>
+            <a:endParaRPr lang="zh-CN" altLang="zh-CN" sz="1800" dirty="0"/>
+          </a:p>
+          <a:p>
+            <a:endParaRPr lang="zh-CN" altLang="en-US" dirty="0"/>
           </a:p>
         </p:txBody>
       </p:sp>

--- a/materials/slides/ch11.pptx
+++ b/materials/slides/ch11.pptx
@@ -2076,6 +2076,7 @@
           <a:ln>
             <a:noFill/>
           </a:ln>
+          <a:extLst/>
         </p:spPr>
         <p:txBody>
           <a:bodyPr>
@@ -2295,6 +2296,7 @@
           <a:ln>
             <a:noFill/>
           </a:ln>
+          <a:extLst/>
         </p:spPr>
         <p:txBody>
           <a:bodyPr wrap="none" anchor="ctr"/>
@@ -2446,6 +2448,7 @@
           <a:ln>
             <a:noFill/>
           </a:ln>
+          <a:extLst/>
         </p:spPr>
         <p:txBody>
           <a:bodyPr wrap="none" anchor="ctr"/>
@@ -2593,6 +2596,7 @@
           <a:ln>
             <a:noFill/>
           </a:ln>
+          <a:extLst/>
         </p:spPr>
         <p:txBody>
           <a:bodyPr/>
@@ -4145,7 +4149,7 @@
               <a:pPr>
                 <a:defRPr/>
               </a:pPr>
-              <a:t>2019/7/16</a:t>
+              <a:t>2018/5/2</a:t>
             </a:fld>
             <a:endParaRPr lang="zh-CN" altLang="en-US"/>
           </a:p>
@@ -4464,7 +4468,7 @@
               <a:pPr>
                 <a:defRPr/>
               </a:pPr>
-              <a:t>2019/7/16</a:t>
+              <a:t>2018/5/2</a:t>
             </a:fld>
             <a:endParaRPr lang="zh-CN" altLang="en-US"/>
           </a:p>
@@ -14468,6 +14472,7 @@
             <a:noFill/>
           </a:ln>
           <a:effectLst/>
+          <a:extLst/>
         </p:spPr>
         <p:txBody>
           <a:bodyPr wrap="none" anchor="ctr"/>
@@ -19153,22 +19158,22 @@
           <a:lstStyle/>
           <a:p>
             <a:r>
-              <a:rPr lang="zh-CN" altLang="zh-CN" dirty="0"/>
+              <a:rPr lang="zh-CN" altLang="zh-CN"/>
               <a:t>首先对时间序列做差分，并观察差分后的时序图，见</a:t>
             </a:r>
             <a:r>
-              <a:rPr lang="zh-CN" altLang="en-US" dirty="0"/>
+              <a:rPr lang="zh-CN" altLang="en-US"/>
               <a:t>下</a:t>
             </a:r>
             <a:r>
-              <a:rPr lang="zh-CN" altLang="zh-CN" dirty="0"/>
+              <a:rPr lang="zh-CN" altLang="zh-CN"/>
               <a:t>图 </a:t>
             </a:r>
             <a:r>
-              <a:rPr lang="zh-CN" altLang="en-US" dirty="0"/>
+              <a:rPr lang="zh-CN" altLang="en-US"/>
               <a:t>：</a:t>
             </a:r>
-            <a:endParaRPr lang="en-US" altLang="zh-CN" dirty="0"/>
+            <a:endParaRPr lang="en-US" altLang="zh-CN"/>
           </a:p>
           <a:p>
             <a:pPr>
@@ -19176,20 +19181,8 @@
               <a:buChar char="ü"/>
             </a:pPr>
             <a:r>
-              <a:rPr lang="en-US" altLang="zh-CN" sz="1800" dirty="0" err="1"/>
-              <a:t>D_data</a:t>
-            </a:r>
-            <a:r>
-              <a:rPr lang="en-US" altLang="zh-CN" sz="1800" dirty="0"/>
-              <a:t> = </a:t>
-            </a:r>
-            <a:r>
-              <a:rPr lang="en-US" altLang="zh-CN" sz="1800" dirty="0" err="1"/>
-              <a:t>data.diff</a:t>
-            </a:r>
-            <a:r>
-              <a:rPr lang="en-US" altLang="zh-CN" sz="1800" dirty="0"/>
-              <a:t>().</a:t>
+              <a:rPr lang="en-US" altLang="zh-CN" sz="1800"/>
+              <a:t>D_data = data.diff().</a:t>
             </a:r>
           </a:p>
           <a:p>
@@ -19201,12 +19194,8 @@
               <a:buChar char="ü"/>
             </a:pPr>
             <a:r>
-              <a:rPr lang="en-US" altLang="zh-CN" sz="1800" dirty="0" err="1"/>
-              <a:t>dropna</a:t>
-            </a:r>
-            <a:r>
               <a:rPr lang="en-US" altLang="zh-CN" sz="1800"/>
-              <a:t>() </a:t>
+              <a:t>dropna()</a:t>
             </a:r>
           </a:p>
           <a:p>
@@ -19218,34 +19207,22 @@
               <a:buChar char="ü"/>
             </a:pPr>
             <a:r>
-              <a:rPr lang="en-US" altLang="zh-CN" sz="1800" dirty="0" err="1"/>
-              <a:t>D_data.columns</a:t>
-            </a:r>
-            <a:r>
-              <a:rPr lang="en-US" altLang="zh-CN" sz="1800" dirty="0"/>
-              <a:t> = [u'</a:t>
-            </a:r>
-            <a:r>
-              <a:rPr lang="zh-CN" altLang="zh-CN" sz="1800" dirty="0"/>
+              <a:rPr lang="en-US" altLang="zh-CN" sz="1800"/>
+              <a:t>D_data.columns = [u'</a:t>
+            </a:r>
+            <a:r>
+              <a:rPr lang="zh-CN" altLang="zh-CN" sz="1800"/>
               <a:t>销量差分</a:t>
             </a:r>
             <a:r>
-              <a:rPr lang="en-US" altLang="zh-CN" sz="1800" dirty="0"/>
-              <a:t>']</a:t>
-            </a:r>
-            <a:r>
-              <a:rPr lang="en-US" altLang="zh-CN" sz="1800" dirty="0" err="1"/>
-              <a:t>D_data.plot</a:t>
-            </a:r>
-            <a:r>
-              <a:rPr lang="en-US" altLang="zh-CN" sz="1800" dirty="0"/>
-              <a:t>() #</a:t>
-            </a:r>
-            <a:r>
-              <a:rPr lang="zh-CN" altLang="zh-CN" sz="1800" dirty="0"/>
+              <a:rPr lang="en-US" altLang="zh-CN" sz="1800"/>
+              <a:t>']D_data.plot() #</a:t>
+            </a:r>
+            <a:r>
+              <a:rPr lang="zh-CN" altLang="zh-CN" sz="1800"/>
               <a:t>时序图</a:t>
             </a:r>
-            <a:endParaRPr lang="en-US" altLang="zh-CN" sz="1800" dirty="0"/>
+            <a:endParaRPr lang="en-US" altLang="zh-CN" sz="1800"/>
           </a:p>
           <a:p>
             <a:pPr>
@@ -19256,17 +19233,13 @@
               <a:buChar char="ü"/>
             </a:pPr>
             <a:r>
-              <a:rPr lang="en-US" altLang="zh-CN" sz="1800" dirty="0" err="1"/>
-              <a:t>plt.show</a:t>
-            </a:r>
-            <a:r>
-              <a:rPr lang="en-US" altLang="zh-CN" sz="1800" dirty="0"/>
-              <a:t>()</a:t>
-            </a:r>
-            <a:endParaRPr lang="zh-CN" altLang="zh-CN" sz="1800" dirty="0"/>
-          </a:p>
-          <a:p>
-            <a:endParaRPr lang="zh-CN" altLang="en-US" dirty="0"/>
+              <a:rPr lang="en-US" altLang="zh-CN" sz="1800"/>
+              <a:t>plt.show()</a:t>
+            </a:r>
+            <a:endParaRPr lang="zh-CN" altLang="zh-CN" sz="1800"/>
+          </a:p>
+          <a:p>
+            <a:endParaRPr lang="zh-CN" altLang="en-US"/>
           </a:p>
         </p:txBody>
       </p:sp>
